--- a/Documentation/Grupp 3 ludo presentation.pptx
+++ b/Documentation/Grupp 3 ludo presentation.pptx
@@ -20598,7 +20598,7 @@
             </a:pPr>
             <a:r>
               <a:rPr lang="en-US" dirty="0" err="1"/>
-              <a:t>Kontrollerar</a:t>
+              <a:t>Innehåller</a:t>
             </a:r>
             <a:r>
               <a:rPr lang="en-US" dirty="0"/>
@@ -20606,7 +20606,7 @@
             </a:r>
             <a:r>
               <a:rPr lang="en-US" dirty="0" err="1"/>
-              <a:t>ifall</a:t>
+              <a:t>logiken</a:t>
             </a:r>
             <a:r>
               <a:rPr lang="en-US" dirty="0"/>
@@ -20614,7 +20614,7 @@
             </a:r>
             <a:r>
               <a:rPr lang="en-US" dirty="0" err="1"/>
-              <a:t>en</a:t>
+              <a:t>för</a:t>
             </a:r>
             <a:r>
               <a:rPr lang="en-US" dirty="0"/>
@@ -20622,7 +20622,7 @@
             </a:r>
             <a:r>
               <a:rPr lang="en-US" dirty="0" err="1"/>
-              <a:t>pjäs</a:t>
+              <a:t>hur</a:t>
             </a:r>
             <a:r>
               <a:rPr lang="en-US" dirty="0"/>
@@ -20630,7 +20630,31 @@
             </a:r>
             <a:r>
               <a:rPr lang="en-US" dirty="0" err="1"/>
-              <a:t>får</a:t>
+              <a:t>spelet</a:t>
+            </a:r>
+            <a:r>
+              <a:rPr lang="en-US" dirty="0"/>
+              <a:t> ska </a:t>
+            </a:r>
+            <a:r>
+              <a:rPr lang="en-US" dirty="0" err="1"/>
+              <a:t>fungera</a:t>
+            </a:r>
+            <a:r>
+              <a:rPr lang="en-US" dirty="0"/>
+              <a:t>, </a:t>
+            </a:r>
+            <a:r>
+              <a:rPr lang="en-US" dirty="0" err="1"/>
+              <a:t>samt</a:t>
+            </a:r>
+            <a:r>
+              <a:rPr lang="en-US" dirty="0"/>
+              <a:t> game-loop </a:t>
+            </a:r>
+            <a:r>
+              <a:rPr lang="en-US" dirty="0" err="1"/>
+              <a:t>som</a:t>
             </a:r>
             <a:r>
               <a:rPr lang="en-US" dirty="0"/>
@@ -20638,9 +20662,28 @@
             </a:r>
             <a:r>
               <a:rPr lang="en-US" dirty="0" err="1"/>
-              <a:t>gå</a:t>
-            </a:r>
-            <a:endParaRPr lang="en-US" dirty="0"/>
+              <a:t>spelet</a:t>
+            </a:r>
+            <a:r>
+              <a:rPr lang="en-US" dirty="0"/>
+              <a:t> “</a:t>
+            </a:r>
+            <a:r>
+              <a:rPr lang="en-US" dirty="0" err="1"/>
+              <a:t>körs</a:t>
+            </a:r>
+            <a:r>
+              <a:rPr lang="en-US" dirty="0"/>
+              <a:t> </a:t>
+            </a:r>
+            <a:r>
+              <a:rPr lang="en-US" dirty="0" err="1"/>
+              <a:t>i</a:t>
+            </a:r>
+            <a:r>
+              <a:rPr lang="en-US" dirty="0"/>
+              <a:t>”.</a:t>
+            </a:r>
           </a:p>
           <a:p>
             <a:endParaRPr lang="en-US" dirty="0"/>
@@ -20678,6 +20721,44 @@
           </a:p>
         </p:txBody>
       </p:sp>
+      <p:pic>
+        <p:nvPicPr>
+          <p:cNvPr id="4" name="Audio 3">
+            <a:hlinkClick r:id="" action="ppaction://media"/>
+            <a:extLst>
+              <a:ext uri="{FF2B5EF4-FFF2-40B4-BE49-F238E27FC236}">
+                <a16:creationId xmlns:a16="http://schemas.microsoft.com/office/drawing/2014/main" id="{35116285-746F-4C79-A684-842E692674E3}"/>
+              </a:ext>
+            </a:extLst>
+          </p:cNvPr>
+          <p:cNvPicPr>
+            <a:picLocks noChangeAspect="1"/>
+          </p:cNvPicPr>
+          <p:nvPr>
+            <a:audioFile r:link="rId2"/>
+            <p:extLst>
+              <p:ext uri="{DAA4B4D4-6D71-4841-9C94-3DE7FCFB9230}">
+                <p14:media xmlns:p14="http://schemas.microsoft.com/office/powerpoint/2010/main" r:embed="rId1"/>
+              </p:ext>
+            </p:extLst>
+          </p:nvPr>
+        </p:nvPicPr>
+        <p:blipFill>
+          <a:blip r:embed="rId4"/>
+          <a:stretch>
+            <a:fillRect/>
+          </a:stretch>
+        </p:blipFill>
+        <p:spPr>
+          <a:xfrm>
+            <a:off x="11366500" y="6032500"/>
+            <a:ext cx="609600" cy="609600"/>
+          </a:xfrm>
+          <a:prstGeom prst="rect">
+            <a:avLst/>
+          </a:prstGeom>
+        </p:spPr>
+      </p:pic>
     </p:spTree>
     <p:extLst>
       <p:ext uri="{BB962C8B-B14F-4D97-AF65-F5344CB8AC3E}">
@@ -20688,6 +20769,101 @@
   <p:clrMapOvr>
     <a:masterClrMapping/>
   </p:clrMapOvr>
+  <mc:AlternateContent xmlns:mc="http://schemas.openxmlformats.org/markup-compatibility/2006">
+    <mc:Choice xmlns:p14="http://schemas.microsoft.com/office/powerpoint/2010/main" Requires="p14">
+      <p:transition spd="slow" p14:dur="2000" advTm="15446"/>
+    </mc:Choice>
+    <mc:Fallback>
+      <p:transition spd="slow" advTm="15446"/>
+    </mc:Fallback>
+  </mc:AlternateContent>
+  <p:timing>
+    <p:tnLst>
+      <p:par>
+        <p:cTn id="1" dur="indefinite" restart="never" nodeType="tmRoot">
+          <p:childTnLst>
+            <p:seq concurrent="1" nextAc="seek">
+              <p:cTn id="2" dur="indefinite" nodeType="mainSeq">
+                <p:childTnLst>
+                  <p:par>
+                    <p:cTn id="3" fill="hold">
+                      <p:stCondLst>
+                        <p:cond delay="indefinite"/>
+                        <p:cond evt="onBegin" delay="0">
+                          <p:tn val="2"/>
+                        </p:cond>
+                      </p:stCondLst>
+                      <p:childTnLst>
+                        <p:par>
+                          <p:cTn id="4" fill="hold">
+                            <p:stCondLst>
+                              <p:cond delay="0"/>
+                            </p:stCondLst>
+                            <p:childTnLst>
+                              <p:par>
+                                <p:cTn id="5" presetID="1" presetClass="mediacall" presetSubtype="0" fill="hold" nodeType="afterEffect">
+                                  <p:stCondLst>
+                                    <p:cond delay="0"/>
+                                  </p:stCondLst>
+                                  <p:childTnLst>
+                                    <p:cmd type="call" cmd="playFrom(0.0)">
+                                      <p:cBhvr>
+                                        <p:cTn id="6" dur="1" fill="hold"/>
+                                        <p:tgtEl>
+                                          <p:spTgt spid="4"/>
+                                        </p:tgtEl>
+                                      </p:cBhvr>
+                                    </p:cmd>
+                                  </p:childTnLst>
+                                </p:cTn>
+                              </p:par>
+                            </p:childTnLst>
+                          </p:cTn>
+                        </p:par>
+                      </p:childTnLst>
+                    </p:cTn>
+                  </p:par>
+                </p:childTnLst>
+              </p:cTn>
+              <p:prevCondLst>
+                <p:cond evt="onPrev" delay="0">
+                  <p:tgtEl>
+                    <p:sldTgt/>
+                  </p:tgtEl>
+                </p:cond>
+              </p:prevCondLst>
+              <p:nextCondLst>
+                <p:cond evt="onNext" delay="0">
+                  <p:tgtEl>
+                    <p:sldTgt/>
+                  </p:tgtEl>
+                </p:cond>
+              </p:nextCondLst>
+            </p:seq>
+            <p:audio isNarration="1">
+              <p:cMediaNode vol="80000" showWhenStopped="0">
+                <p:cTn id="7" fill="hold" display="0">
+                  <p:stCondLst>
+                    <p:cond delay="indefinite"/>
+                  </p:stCondLst>
+                  <p:endCondLst>
+                    <p:cond evt="onStopAudio" delay="0">
+                      <p:tgtEl>
+                        <p:sldTgt/>
+                      </p:tgtEl>
+                    </p:cond>
+                  </p:endCondLst>
+                </p:cTn>
+                <p:tgtEl>
+                  <p:spTgt spid="4"/>
+                </p:tgtEl>
+              </p:cMediaNode>
+            </p:audio>
+          </p:childTnLst>
+        </p:cTn>
+      </p:par>
+    </p:tnLst>
+  </p:timing>
 </p:sld>
 </file>
 

--- a/Documentation/Grupp 3 ludo presentation.pptx
+++ b/Documentation/Grupp 3 ludo presentation.pptx
@@ -136,6 +136,51 @@
 </p:presentation>
 </file>
 
+<file path=ppt/ink/inkAction1.xml><?xml version="1.0" encoding="utf-8"?>
+<iact:actions xmlns:iact="http://schemas.microsoft.com/office/powerpoint/2014/inkAction" lengthUnit="cm" timeUnit="ms">
+  <inkml:definitions xmlns:inkml="http://www.w3.org/2003/InkML">
+    <inkml:context xml:id="ctx0">
+      <inkml:inkSource xml:id="inkSrc0">
+        <inkml:traceFormat>
+          <inkml:channel name="X" type="integer" max="1920" units="cm"/>
+          <inkml:channel name="Y" type="integer" max="1080" units="cm"/>
+          <inkml:channel name="T" type="integer" max="2.14748E9" units="dev"/>
+        </inkml:traceFormat>
+        <inkml:channelProperties>
+          <inkml:channelProperty channel="X" name="resolution" value="55.81395" units="1/cm"/>
+          <inkml:channelProperty channel="Y" name="resolution" value="55.95855" units="1/cm"/>
+          <inkml:channelProperty channel="T" name="resolution" value="1" units="1/dev"/>
+        </inkml:channelProperties>
+      </inkml:inkSource>
+      <inkml:timestamp xml:id="ts0" timeString="2020-04-13T11:58:33.258"/>
+    </inkml:context>
+    <inkml:brush xml:id="br0">
+      <inkml:brushProperty name="width" value="0.05292" units="cm"/>
+      <inkml:brushProperty name="height" value="0.05292" units="cm"/>
+      <inkml:brushProperty name="color" value="#C00000"/>
+    </inkml:brush>
+  </inkml:definitions>
+  <iact:action type="add" startTime="9798">
+    <iact:property name="dataType"/>
+    <iact:actionData xml:id="d0">
+      <inkml:trace xmlns:inkml="http://www.w3.org/2003/InkML" xml:id="stk0" contextRef="#ctx0" brushRef="#br0">14279 15037 0,'212'-850'97,"354"-1298"-95,-46 165 13,-190 897 0,-94 213 1,-94 542-2,-1-70 2,-23-166-2,-23 142 0,-1-23-1,-23 235 2,-24-23-1,0 95-1,-47 117 1,0 1 0,0 46 43,0 1-54,-23-1 9,-1 48 1,-23 24 0,-24 400 1,-94 284-1,-71 0 1,118-519 0,23-142 0,72-47-1,-1-48 3,-23 1-2,-71 23 2,-47 24-3,-95 24 1,-47-1 0,-165 24-1,213-24 3,-1-23-1,95 0 0,23 0-2,72-24 1,-25 0 0,24 48 1,1-48-1,46 0 1,-23-23-1,47 23 1,-24-47-1,48 0 2,70-142-1,614-755 1,307-543 1,-567 779-2,142-141 0,119-24 16,-25 23-27,-660 803 6,-24-47-4,23 47-2,1 0 5,-24 23 48,0 48-49,0-47 0,23 141-2,48 71 0,24 118 14,235 1133-19,-188-779 13,-119-471-1,119 400 3,-119-283-1,-46-24-1,-72-23 0,-46 0 1,-95 118 0,-71 331 0,118-402-1,95-189 0,70-118 1,-23-23 0,23-24 4,1 0-4,-1-24 0,-23-141-2,0-543 15,731-3046-12,-117 2598-1,-143 471-9,-376 638 2,-48 23-2,23 24-1,-23 47 35,-94 95-24,94-95-7,-118 71-6,-71 142 2,-94 118 8,-260 353-8,-307 308 12,567-779-3,-378 306 0,166-235 2,141-190 2,-213-93-4,331-48 3,0-95-4,71 1 2,141 47-2,-70-95 2,70 71 1,24-118-1,0 24-1,71 23-1,0 24 0,-47 48 1,-1 22 1,1 25 1,-1-1-1,72-23 3,164-47-3,308-25 0,141 96 0,0 23-1,-425 0 1,-70 71-1,-119-24 0,-70-47 1,-1 24 1,-23 23 0,-47 71 0,-496 496-1,-425-48 1,95-259 1,236-283 9,377-95-3,142-24-7,95 72-1,23-25 0,23-46-1,48 0 0,47-95-1,213-142 19,1061-637-17,-1203 921-2,-71 47 1,-71-23 1,0 23-1,0 0 0,1 23 2,-25 1-3,1 47 1,-24-24 0,0 47 0,-118 95-1,-189 71 4,-401 23-2,354-259 0,24-48-1,188-47-1,24-47 1,24 24 15,46-95-14,48 95 0,24-1-2,47-23 2,94-24-1,-94 95 1,212-24 1,165 24-3,-70 24 2,-166 46 0,-94 24-1,-70-47 0,-25 0 12,1 48-11,-1-48-14</inkml:trace>
+    </iact:actionData>
+  </iact:action>
+  <iact:action type="add" startTime="13163">
+    <iact:property name="dataType"/>
+    <iact:actionData xml:id="d1">
+      <inkml:trace xmlns:inkml="http://www.w3.org/2003/InkML" xml:id="stk1" contextRef="#ctx0" brushRef="#br0">21878 9371 0,'71'-259'84,"70"-143"-70,48-22-2,236-592 2,-142 474 1,-47 258-2,-23 1 1,-95 189 1,-48-1-1,1 72 0,-24-25 1,24 1 2,0 47-1,23 24-2,142 47 0,-47 23 0,165 166 0,-23 70 1,-143-117 0,-70-48 0,-23-24 1,-24 25 1,-24-96-2,-24 25 0,1 47 1,-24 23-1,-71 0-1,-118 236 1,-117 1-2,-48 282 1,188-448 1,48-94 0,95-71 0,-1-48 0,1 1-1,-1-24 1,24 24-2,-47-1 1,47 1 3,-95 47-3,-23 70 1,-118 166 1,-188 212-1,258-235-1,-22-25 0,93-117 0,1 23 0,47-118 3,23 24-1,0-47 0,1-24-2,23 23 0,0-46 34,0-1-34,0-23-1</inkml:trace>
+    </iact:actionData>
+  </iact:action>
+  <iact:action type="add" startTime="15700">
+    <iact:property name="dataType"/>
+    <iact:actionData xml:id="d2">
+      <inkml:trace xmlns:inkml="http://www.w3.org/2003/InkML" xml:id="stk2" contextRef="#ctx0" brushRef="#br0">21902 9253 0,'0'0'0,"-142"-70"188,-141-96-174,94 95 0,0 1 1,24-1 1,71 47-2,46 24 0,-46 0-1,47 0 1,0 0 0,-24 0 0,-24 24 0,1 47 0,47-48-1,-24 48 3,0 0-2,0 47 1,-47 71 1,71 0-1,-24 94 2,48-94-1,23 0 3,189 377-4,-71-306 0,94 47 0,-70-118-14,94 70 16,47 24 0,94-23 0,-235-165 0,188 93-1,-141-70 0,-94-47-1,259 118-1,-166-47 1,119 94 1,-189-142 0,-23-23-2,-25 0 1,25-24 0,-48 0 4,-23-47-6,-24 24 2,47-24-1,-24 0 0,1 0 11,0-47-10,-24-119 0,23-70-1,-70-401 1,0 212 0,-48 213 0,72 141-3,-1 0 3,-47-47-1,48 94 2,-1-23-1,1 24 15,-1 23-6,24 23 29,0 1-40,0-1 24,0 1-24,0 0 10</inkml:trace>
+    </iact:actionData>
+  </iact:action>
+</iact:actions>
+</file>
+
 <file path=ppt/notesMasters/notesMaster1.xml><?xml version="1.0" encoding="utf-8"?>
 <p:notesMaster xmlns:a="http://schemas.openxmlformats.org/drawingml/2006/main" xmlns:r="http://schemas.openxmlformats.org/officeDocument/2006/relationships" xmlns:p="http://schemas.openxmlformats.org/presentationml/2006/main">
   <p:cSld>
@@ -218,7 +263,7 @@
           <a:p>
             <a:fld id="{497A87B5-D39B-42E5-8F66-21D64F406492}" type="datetimeFigureOut">
               <a:rPr lang="en-SE" smtClean="0"/>
-              <a:t>2020-04-13</a:t>
+              <a:t>04/13/2020</a:t>
             </a:fld>
             <a:endParaRPr lang="en-SE"/>
           </a:p>
@@ -22666,6 +22711,103 @@
           </a:p>
         </p:txBody>
       </p:sp>
+      <mc:AlternateContent xmlns:mc="http://schemas.openxmlformats.org/markup-compatibility/2006">
+        <mc:Choice xmlns:p14="http://schemas.microsoft.com/office/powerpoint/2010/main" xmlns:iact="http://schemas.microsoft.com/office/powerpoint/2014/inkAction" Requires="p14 iact">
+          <p:contentPart p14:bwMode="auto" r:id="rId4">
+            <p14:nvContentPartPr>
+              <p14:cNvPr id="4" name="Pennanteckning 3">
+                <a:extLst>
+                  <a:ext uri="{FF2B5EF4-FFF2-40B4-BE49-F238E27FC236}">
+                    <a16:creationId xmlns:a16="http://schemas.microsoft.com/office/drawing/2014/main" id="{F330F8AF-E491-44BA-BE60-BF8EE65252B0}"/>
+                  </a:ext>
+                </a:extLst>
+              </p14:cNvPr>
+              <p14:cNvContentPartPr/>
+              <p14:nvPr>
+                <p:extLst>
+                  <p:ext uri="{42D2F446-02D8-4167-A562-619A0277C38B}">
+                    <p15:isNarration xmlns:p15="http://schemas.microsoft.com/office/powerpoint/2012/main" val="1"/>
+                  </p:ext>
+                </p:extLst>
+              </p14:nvPr>
+            </p14:nvContentPartPr>
+            <p14:xfrm>
+              <a:off x="4851360" y="1274760"/>
+              <a:ext cx="4384440" cy="4138920"/>
+            </p14:xfrm>
+          </p:contentPart>
+        </mc:Choice>
+        <mc:Fallback>
+          <p:pic>
+            <p:nvPicPr>
+              <p:cNvPr id="4" name="Pennanteckning 3">
+                <a:extLst>
+                  <a:ext uri="{FF2B5EF4-FFF2-40B4-BE49-F238E27FC236}">
+                    <a16:creationId xmlns:a16="http://schemas.microsoft.com/office/drawing/2014/main" id="{F330F8AF-E491-44BA-BE60-BF8EE65252B0}"/>
+                  </a:ext>
+                </a:extLst>
+              </p:cNvPr>
+              <p:cNvPicPr>
+                <a:picLocks noGrp="1" noRot="1" noChangeAspect="1" noMove="1" noResize="1" noEditPoints="1" noAdjustHandles="1" noChangeArrowheads="1" noChangeShapeType="1"/>
+              </p:cNvPicPr>
+              <p:nvPr/>
+            </p:nvPicPr>
+            <p:blipFill>
+              <a:blip r:embed="rId5"/>
+              <a:stretch>
+                <a:fillRect/>
+              </a:stretch>
+            </p:blipFill>
+            <p:spPr>
+              <a:xfrm>
+                <a:off x="4842000" y="1265400"/>
+                <a:ext cx="4403160" cy="4157640"/>
+              </a:xfrm>
+              <a:prstGeom prst="rect">
+                <a:avLst/>
+              </a:prstGeom>
+            </p:spPr>
+          </p:pic>
+        </mc:Fallback>
+      </mc:AlternateContent>
+      <p:pic>
+        <p:nvPicPr>
+          <p:cNvPr id="5" name="Ljud 4">
+            <a:hlinkClick r:id="" action="ppaction://media"/>
+            <a:extLst>
+              <a:ext uri="{FF2B5EF4-FFF2-40B4-BE49-F238E27FC236}">
+                <a16:creationId xmlns:a16="http://schemas.microsoft.com/office/drawing/2014/main" id="{2B055D73-5911-406C-891A-3A9F2E2BFBC5}"/>
+              </a:ext>
+            </a:extLst>
+          </p:cNvPr>
+          <p:cNvPicPr>
+            <a:picLocks noChangeAspect="1"/>
+          </p:cNvPicPr>
+          <p:nvPr>
+            <a:audioFile r:link="rId2"/>
+            <p:extLst>
+              <p:ext uri="{DAA4B4D4-6D71-4841-9C94-3DE7FCFB9230}">
+                <p14:media xmlns:p14="http://schemas.microsoft.com/office/powerpoint/2010/main" r:embed="rId1"/>
+              </p:ext>
+            </p:extLst>
+          </p:nvPr>
+        </p:nvPicPr>
+        <p:blipFill>
+          <a:blip r:embed="rId6"/>
+          <a:stretch>
+            <a:fillRect/>
+          </a:stretch>
+        </p:blipFill>
+        <p:spPr>
+          <a:xfrm>
+            <a:off x="11488738" y="6154738"/>
+            <a:ext cx="487362" cy="487362"/>
+          </a:xfrm>
+          <a:prstGeom prst="rect">
+            <a:avLst/>
+          </a:prstGeom>
+        </p:spPr>
+      </p:pic>
     </p:spTree>
     <p:extLst>
       <p:ext uri="{BB962C8B-B14F-4D97-AF65-F5344CB8AC3E}">
@@ -22676,6 +22818,136 @@
   <p:clrMapOvr>
     <a:masterClrMapping/>
   </p:clrMapOvr>
+  <mc:AlternateContent xmlns:mc="http://schemas.openxmlformats.org/markup-compatibility/2006">
+    <mc:Choice xmlns:p14="http://schemas.microsoft.com/office/powerpoint/2010/main" Requires="p14">
+      <p:transition spd="slow" p14:dur="2000" advTm="19631"/>
+    </mc:Choice>
+    <mc:Fallback>
+      <p:transition spd="slow" advTm="19631"/>
+    </mc:Fallback>
+  </mc:AlternateContent>
+  <p:timing>
+    <p:tnLst>
+      <p:par>
+        <p:cTn id="1" dur="indefinite" restart="never" nodeType="tmRoot">
+          <p:childTnLst>
+            <p:seq concurrent="1" nextAc="seek">
+              <p:cTn id="2" dur="indefinite" nodeType="mainSeq">
+                <p:childTnLst>
+                  <p:par>
+                    <p:cTn id="3" fill="hold">
+                      <p:stCondLst>
+                        <p:cond delay="indefinite"/>
+                        <p:cond evt="onBegin" delay="0">
+                          <p:tn val="2"/>
+                        </p:cond>
+                      </p:stCondLst>
+                      <p:childTnLst>
+                        <p:par>
+                          <p:cTn id="4" fill="hold">
+                            <p:stCondLst>
+                              <p:cond delay="0"/>
+                            </p:stCondLst>
+                            <p:childTnLst>
+                              <p:par>
+                                <p:cTn id="5" presetID="1" presetClass="mediacall" presetSubtype="0" fill="hold" nodeType="afterEffect">
+                                  <p:stCondLst>
+                                    <p:cond delay="0"/>
+                                  </p:stCondLst>
+                                  <p:childTnLst>
+                                    <p:cmd type="call" cmd="playFrom(0.0)">
+                                      <p:cBhvr>
+                                        <p:cTn id="6" dur="1" fill="hold"/>
+                                        <p:tgtEl>
+                                          <p:spTgt spid="5"/>
+                                        </p:tgtEl>
+                                      </p:cBhvr>
+                                    </p:cmd>
+                                  </p:childTnLst>
+                                </p:cTn>
+                              </p:par>
+                              <p:par>
+                                <p:cTn id="7" presetID="59" presetClass="entr" presetSubtype="0" fill="hold" nodeType="withEffect">
+                                  <p:stCondLst>
+                                    <p:cond delay="0"/>
+                                  </p:stCondLst>
+                                  <p:childTnLst>
+                                    <p:set>
+                                      <p:cBhvr>
+                                        <p:cTn id="8" dur="1" fill="hold">
+                                          <p:stCondLst>
+                                            <p:cond delay="0"/>
+                                          </p:stCondLst>
+                                        </p:cTn>
+                                        <p:tgtEl>
+                                          <p:spTgt spid="4"/>
+                                        </p:tgtEl>
+                                        <p:attrNameLst>
+                                          <p:attrName>style.visibility</p:attrName>
+                                        </p:attrNameLst>
+                                      </p:cBhvr>
+                                      <p:to>
+                                        <p:strVal val="visible"/>
+                                      </p:to>
+                                    </p:set>
+                                    <p:cmd type="call" cmd="playFrom(0.0)">
+                                      <p:cBhvr>
+                                        <p:cTn id="9" dur="1" fill="hold"/>
+                                        <p:tgtEl>
+                                          <p:spTgt spid="4"/>
+                                        </p:tgtEl>
+                                      </p:cBhvr>
+                                    </p:cmd>
+                                  </p:childTnLst>
+                                </p:cTn>
+                              </p:par>
+                            </p:childTnLst>
+                          </p:cTn>
+                        </p:par>
+                      </p:childTnLst>
+                    </p:cTn>
+                  </p:par>
+                </p:childTnLst>
+              </p:cTn>
+              <p:prevCondLst>
+                <p:cond evt="onPrev" delay="0">
+                  <p:tgtEl>
+                    <p:sldTgt/>
+                  </p:tgtEl>
+                </p:cond>
+              </p:prevCondLst>
+              <p:nextCondLst>
+                <p:cond evt="onNext" delay="0">
+                  <p:tgtEl>
+                    <p:sldTgt/>
+                  </p:tgtEl>
+                </p:cond>
+              </p:nextCondLst>
+            </p:seq>
+            <p:audio isNarration="1">
+              <p:cMediaNode vol="80000" showWhenStopped="0">
+                <p:cTn id="10" fill="hold" display="0">
+                  <p:stCondLst>
+                    <p:cond delay="indefinite"/>
+                  </p:stCondLst>
+                  <p:endCondLst>
+                    <p:cond evt="onStopAudio" delay="0">
+                      <p:tgtEl>
+                        <p:sldTgt/>
+                      </p:tgtEl>
+                    </p:cond>
+                  </p:endCondLst>
+                </p:cTn>
+                <p:tgtEl>
+                  <p:spTgt spid="5"/>
+                </p:tgtEl>
+              </p:cMediaNode>
+            </p:audio>
+          </p:childTnLst>
+        </p:cTn>
+      </p:par>
+    </p:tnLst>
+  </p:timing>
 </p:sld>
 </file>
 
